--- a/sd/module4/BCE_4_4.pptx
+++ b/sd/module4/BCE_4_4.pptx
@@ -229,7 +229,7 @@
           <a:p>
             <a:fld id="{E4C3FCC2-4E7A-4671-AA79-177CB194E449}" type="datetimeFigureOut">
               <a:rPr lang="en-US" smtClean="0"/>
-              <a:t>2/19/2019</a:t>
+              <a:t>2/21/19</a:t>
             </a:fld>
             <a:endParaRPr lang="en-US"/>
           </a:p>
@@ -2202,7 +2202,7 @@
           <a:p>
             <a:fld id="{4744E560-77BF-4D1A-B6E7-CD55CE12B1B8}" type="datetimeFigureOut">
               <a:rPr lang="en-US" smtClean="0"/>
-              <a:t>2/19/2019</a:t>
+              <a:t>2/21/19</a:t>
             </a:fld>
             <a:endParaRPr lang="en-US"/>
           </a:p>
@@ -2943,7 +2943,7 @@
           </a:lstStyle>
           <a:p>
             <a:r>
-              <a:rPr lang="en-US" sz="1800" dirty="0">
+              <a:rPr lang="en-US" dirty="0">
                 <a:latin typeface="+mj-lt"/>
                 <a:ea typeface="+mj-ea"/>
                 <a:cs typeface="+mj-cs"/>
@@ -2951,7 +2951,7 @@
               <a:t>Functional requirement </a:t>
             </a:r>
             <a:r>
-              <a:rPr lang="en-US" sz="1800" dirty="0">
+              <a:rPr lang="en-US" dirty="0">
                 <a:latin typeface="+mj-lt"/>
               </a:rPr>
               <a:t>described as a specification of behavior between outputs and inputs</a:t>
@@ -2959,7 +2959,7 @@
           </a:p>
           <a:p>
             <a:r>
-              <a:rPr lang="en-US" sz="1800" dirty="0">
+              <a:rPr lang="en-US" dirty="0">
                 <a:latin typeface="+mj-lt"/>
               </a:rPr>
               <a:t>Functional requirement is a contract between stakeholders</a:t>
@@ -3049,7 +3049,7 @@
         <p:spPr>
           <a:xfrm>
             <a:off x="1382177" y="1452563"/>
-            <a:ext cx="9564985" cy="1521373"/>
+            <a:ext cx="9564985" cy="5077446"/>
           </a:xfrm>
           <a:prstGeom prst="rect">
             <a:avLst/>
@@ -3225,30 +3225,52 @@
           </a:lstStyle>
           <a:p>
             <a:r>
-              <a:rPr lang="en-US" sz="1800" dirty="0">
-                <a:latin typeface="+mj-lt"/>
-                <a:ea typeface="+mj-ea"/>
-                <a:cs typeface="+mj-cs"/>
-              </a:rPr>
-              <a:t>Functional requirement </a:t>
-            </a:r>
-            <a:r>
-              <a:rPr lang="en-US" sz="1800" dirty="0">
-                <a:latin typeface="+mj-lt"/>
-              </a:rPr>
-              <a:t>described as a specification of behavior between outputs and inputs</a:t>
-            </a:r>
-          </a:p>
-          <a:p>
-            <a:r>
-              <a:rPr lang="en-US" sz="1800" dirty="0">
-                <a:latin typeface="+mj-lt"/>
-              </a:rPr>
-              <a:t>Functional requirement is a contract between stakeholders</a:t>
-            </a:r>
-          </a:p>
-          <a:p>
-            <a:endParaRPr lang="en-US" sz="1800" dirty="0">
+              <a:rPr lang="en-US" dirty="0"/>
+              <a:t>Customer requirements</a:t>
+            </a:r>
+          </a:p>
+          <a:p>
+            <a:r>
+              <a:rPr lang="en-US" dirty="0"/>
+              <a:t>Structural requirements</a:t>
+            </a:r>
+          </a:p>
+          <a:p>
+            <a:r>
+              <a:rPr lang="en-US" dirty="0"/>
+              <a:t>Architectural requirements</a:t>
+            </a:r>
+          </a:p>
+          <a:p>
+            <a:r>
+              <a:rPr lang="en-US" dirty="0"/>
+              <a:t>Behavioral requirements</a:t>
+            </a:r>
+          </a:p>
+          <a:p>
+            <a:r>
+              <a:rPr lang="en-US" dirty="0"/>
+              <a:t>Performance requirements</a:t>
+            </a:r>
+          </a:p>
+          <a:p>
+            <a:r>
+              <a:rPr lang="en-US" dirty="0"/>
+              <a:t>Design requirements</a:t>
+            </a:r>
+          </a:p>
+          <a:p>
+            <a:r>
+              <a:rPr lang="en-US" dirty="0"/>
+              <a:t>Derived requirements</a:t>
+            </a:r>
+          </a:p>
+          <a:p>
+            <a:r>
+              <a:rPr lang="en-US" dirty="0"/>
+              <a:t>Allocated requirements</a:t>
+            </a:r>
+            <a:endParaRPr lang="en-US" dirty="0">
               <a:latin typeface="+mj-lt"/>
               <a:ea typeface="+mj-ea"/>
               <a:cs typeface="+mj-cs"/>
@@ -3331,7 +3353,7 @@
         <p:spPr>
           <a:xfrm>
             <a:off x="1382177" y="1452563"/>
-            <a:ext cx="9564985" cy="1521373"/>
+            <a:ext cx="9564985" cy="4391646"/>
           </a:xfrm>
           <a:prstGeom prst="rect">
             <a:avLst/>
@@ -3507,27 +3529,120 @@
           </a:lstStyle>
           <a:p>
             <a:r>
-              <a:rPr lang="en-US" sz="1800" dirty="0">
+              <a:rPr lang="en-US" dirty="0">
                 <a:latin typeface="+mj-lt"/>
                 <a:ea typeface="+mj-ea"/>
                 <a:cs typeface="+mj-cs"/>
               </a:rPr>
-              <a:t>Functional requirement </a:t>
-            </a:r>
-            <a:r>
-              <a:rPr lang="en-US" sz="1800" dirty="0">
+              <a:t>User story definition</a:t>
+            </a:r>
+          </a:p>
+          <a:p>
+            <a:pPr marL="457200" lvl="1" indent="0">
+              <a:buNone/>
+            </a:pPr>
+            <a:r>
+              <a:rPr lang="en-US" sz="2000" dirty="0">
                 <a:latin typeface="+mj-lt"/>
+                <a:ea typeface="+mj-ea"/>
+                <a:cs typeface="+mj-cs"/>
               </a:rPr>
-              <a:t>described as a specification of behavior between outputs and inputs</a:t>
-            </a:r>
-          </a:p>
-          <a:p>
-            <a:r>
-              <a:rPr lang="en-US" sz="1800" dirty="0">
+              <a:t>As administrator of </a:t>
+            </a:r>
+            <a:r>
+              <a:rPr lang="en-US" sz="2000" dirty="0" err="1">
                 <a:latin typeface="+mj-lt"/>
+                <a:ea typeface="+mj-ea"/>
+                <a:cs typeface="+mj-cs"/>
               </a:rPr>
-              <a:t>Functional requirement is a contract between stakeholders</a:t>
-            </a:r>
+              <a:t>miYe</a:t>
+            </a:r>
+            <a:r>
+              <a:rPr lang="en-US" sz="2000" dirty="0">
+                <a:latin typeface="+mj-lt"/>
+                <a:ea typeface="+mj-ea"/>
+                <a:cs typeface="+mj-cs"/>
+              </a:rPr>
+              <a:t>, who can make a reservation for any qualified customer on services </a:t>
+            </a:r>
+            <a:r>
+              <a:rPr lang="en-US" sz="2000" dirty="0" err="1">
+                <a:latin typeface="+mj-lt"/>
+                <a:ea typeface="+mj-ea"/>
+                <a:cs typeface="+mj-cs"/>
+              </a:rPr>
+              <a:t>miYe</a:t>
+            </a:r>
+            <a:r>
+              <a:rPr lang="en-US" sz="2000" dirty="0">
+                <a:latin typeface="+mj-lt"/>
+                <a:ea typeface="+mj-ea"/>
+                <a:cs typeface="+mj-cs"/>
+              </a:rPr>
+              <a:t> can provide</a:t>
+            </a:r>
+            <a:r>
+              <a:rPr lang="en-US" sz="1400" dirty="0">
+                <a:latin typeface="+mj-lt"/>
+                <a:ea typeface="+mj-ea"/>
+                <a:cs typeface="+mj-cs"/>
+              </a:rPr>
+              <a:t>.</a:t>
+            </a:r>
+          </a:p>
+          <a:p>
+            <a:r>
+              <a:rPr lang="en-US" dirty="0">
+                <a:latin typeface="+mj-lt"/>
+                <a:ea typeface="+mj-ea"/>
+                <a:cs typeface="+mj-cs"/>
+              </a:rPr>
+              <a:t>Acceptance</a:t>
+            </a:r>
+          </a:p>
+          <a:p>
+            <a:pPr marL="457200" lvl="1" indent="0">
+              <a:buNone/>
+            </a:pPr>
+            <a:r>
+              <a:rPr lang="en-US" dirty="0"/>
+              <a:t>Administrator can login system</a:t>
+            </a:r>
+          </a:p>
+          <a:p>
+            <a:pPr marL="457200" lvl="1" indent="0">
+              <a:buNone/>
+            </a:pPr>
+            <a:r>
+              <a:rPr lang="en-US" dirty="0"/>
+              <a:t>Administrator can select any registered customer</a:t>
+            </a:r>
+          </a:p>
+          <a:p>
+            <a:pPr marL="457200" lvl="1" indent="0">
+              <a:buNone/>
+            </a:pPr>
+            <a:r>
+              <a:rPr lang="en-US" dirty="0"/>
+              <a:t>Administrator can select service provided</a:t>
+            </a:r>
+          </a:p>
+          <a:p>
+            <a:pPr marL="457200" lvl="1" indent="0">
+              <a:buNone/>
+            </a:pPr>
+            <a:r>
+              <a:rPr lang="en-US" dirty="0"/>
+              <a:t>Administrator can create a reservation based on customer’s input, also administrator can cancel and update a reservation that is still valid</a:t>
+            </a:r>
+          </a:p>
+          <a:p>
+            <a:pPr marL="457200" lvl="1" indent="0">
+              <a:buNone/>
+            </a:pPr>
+            <a:endParaRPr lang="en-US" dirty="0">
+              <a:latin typeface="+mj-lt"/>
+            </a:endParaRPr>
           </a:p>
           <a:p>
             <a:endParaRPr lang="en-US" sz="1800" dirty="0">
@@ -3795,22 +3910,46 @@
                 <a:ea typeface="+mj-ea"/>
                 <a:cs typeface="+mj-cs"/>
               </a:rPr>
-              <a:t>Functional requirement </a:t>
-            </a:r>
+              <a:t>User stories defines deliverable</a:t>
+            </a:r>
+          </a:p>
+          <a:p>
             <a:r>
               <a:rPr lang="en-US" sz="1800" dirty="0">
                 <a:latin typeface="+mj-lt"/>
+                <a:ea typeface="+mj-ea"/>
+                <a:cs typeface="+mj-cs"/>
               </a:rPr>
-              <a:t>described as a specification of behavior between outputs and inputs</a:t>
+              <a:t>User stories decides budget/time estimation</a:t>
             </a:r>
           </a:p>
           <a:p>
             <a:r>
               <a:rPr lang="en-US" sz="1800" dirty="0">
                 <a:latin typeface="+mj-lt"/>
+                <a:ea typeface="+mj-ea"/>
+                <a:cs typeface="+mj-cs"/>
               </a:rPr>
-              <a:t>Functional requirement is a contract between stakeholders</a:t>
-            </a:r>
+              <a:t>User </a:t>
+            </a:r>
+            <a:r>
+              <a:rPr lang="en-US" sz="1800" dirty="0"/>
+              <a:t>stories saves time on coding because it delivered clear tasks to developer</a:t>
+            </a:r>
+            <a:endParaRPr lang="en-US" sz="1800" dirty="0">
+              <a:latin typeface="+mj-lt"/>
+              <a:ea typeface="+mj-ea"/>
+              <a:cs typeface="+mj-cs"/>
+            </a:endParaRPr>
+          </a:p>
+          <a:p>
+            <a:r>
+              <a:rPr lang="en-US" sz="1800" dirty="0"/>
+              <a:t>User stories also decides UI design</a:t>
+            </a:r>
+            <a:endParaRPr lang="en-US" sz="1800" dirty="0">
+              <a:latin typeface="+mj-lt"/>
+            </a:endParaRPr>
           </a:p>
           <a:p>
             <a:endParaRPr lang="en-US" sz="1800" dirty="0">
